--- a/titanic/titanic_KDH.pptx
+++ b/titanic/titanic_KDH.pptx
@@ -9189,7 +9189,7 @@
                 </a:solidFill>
               </a:rPr>
               <a:pPr/>
-              <a:t>2020-03-17</a:t>
+              <a:t>2020-03-18</a:t>
             </a:fld>
             <a:endParaRPr lang="ko-KR" altLang="en-US">
               <a:solidFill>
@@ -9389,7 +9389,7 @@
                 </a:solidFill>
               </a:rPr>
               <a:pPr/>
-              <a:t>2020-03-17</a:t>
+              <a:t>2020-03-18</a:t>
             </a:fld>
             <a:endParaRPr lang="ko-KR" altLang="en-US">
               <a:solidFill>
@@ -9599,7 +9599,7 @@
                 </a:solidFill>
               </a:rPr>
               <a:pPr/>
-              <a:t>2020-03-17</a:t>
+              <a:t>2020-03-18</a:t>
             </a:fld>
             <a:endParaRPr lang="ko-KR" altLang="en-US">
               <a:solidFill>
@@ -9799,7 +9799,7 @@
                 </a:solidFill>
               </a:rPr>
               <a:pPr/>
-              <a:t>2020-03-17</a:t>
+              <a:t>2020-03-18</a:t>
             </a:fld>
             <a:endParaRPr lang="ko-KR" altLang="en-US">
               <a:solidFill>
@@ -10076,7 +10076,7 @@
                 </a:solidFill>
               </a:rPr>
               <a:pPr/>
-              <a:t>2020-03-17</a:t>
+              <a:t>2020-03-18</a:t>
             </a:fld>
             <a:endParaRPr lang="ko-KR" altLang="en-US">
               <a:solidFill>
@@ -10337,7 +10337,7 @@
                 </a:solidFill>
               </a:rPr>
               <a:pPr/>
-              <a:t>2020-03-17</a:t>
+              <a:t>2020-03-18</a:t>
             </a:fld>
             <a:endParaRPr lang="ko-KR" altLang="en-US">
               <a:solidFill>
@@ -10733,7 +10733,7 @@
                 </a:solidFill>
               </a:rPr>
               <a:pPr/>
-              <a:t>2020-03-17</a:t>
+              <a:t>2020-03-18</a:t>
             </a:fld>
             <a:endParaRPr lang="ko-KR" altLang="en-US">
               <a:solidFill>
@@ -10882,7 +10882,7 @@
                 </a:solidFill>
               </a:rPr>
               <a:pPr/>
-              <a:t>2020-03-17</a:t>
+              <a:t>2020-03-18</a:t>
             </a:fld>
             <a:endParaRPr lang="ko-KR" altLang="en-US">
               <a:solidFill>
@@ -11009,7 +11009,7 @@
                 </a:solidFill>
               </a:rPr>
               <a:pPr/>
-              <a:t>2020-03-17</a:t>
+              <a:t>2020-03-18</a:t>
             </a:fld>
             <a:endParaRPr lang="ko-KR" altLang="en-US">
               <a:solidFill>
@@ -11316,7 +11316,7 @@
                 </a:solidFill>
               </a:rPr>
               <a:pPr/>
-              <a:t>2020-03-17</a:t>
+              <a:t>2020-03-18</a:t>
             </a:fld>
             <a:endParaRPr lang="ko-KR" altLang="en-US">
               <a:solidFill>
@@ -11600,7 +11600,7 @@
                 </a:solidFill>
               </a:rPr>
               <a:pPr/>
-              <a:t>2020-03-17</a:t>
+              <a:t>2020-03-18</a:t>
             </a:fld>
             <a:endParaRPr lang="ko-KR" altLang="en-US">
               <a:solidFill>
@@ -11843,7 +11843,7 @@
                 </a:solidFill>
               </a:rPr>
               <a:pPr/>
-              <a:t>2020-03-17</a:t>
+              <a:t>2020-03-18</a:t>
             </a:fld>
             <a:endParaRPr lang="ko-KR" altLang="en-US">
               <a:solidFill>
@@ -13912,10 +13912,10 @@
       </p:grpSpPr>
       <p:pic>
         <p:nvPicPr>
-          <p:cNvPr id="3" name="그림 2">
+          <p:cNvPr id="7" name="그림 6">
             <a:extLst>
               <a:ext uri="{FF2B5EF4-FFF2-40B4-BE49-F238E27FC236}">
-                <a16:creationId xmlns:a16="http://schemas.microsoft.com/office/drawing/2014/main" id="{63D38A11-94C9-40C9-9BA1-9D12F6673484}"/>
+                <a16:creationId xmlns:a16="http://schemas.microsoft.com/office/drawing/2014/main" id="{19022596-F1CC-416A-90B6-7AC5F5FC79FB}"/>
               </a:ext>
             </a:extLst>
           </p:cNvPr>
@@ -13925,21 +13925,15 @@
           <p:nvPr/>
         </p:nvPicPr>
         <p:blipFill>
-          <a:blip r:embed="rId2">
-            <a:extLst>
-              <a:ext uri="{28A0092B-C50C-407E-A947-70E740481C1C}">
-                <a14:useLocalDpi xmlns:a14="http://schemas.microsoft.com/office/drawing/2010/main" val="0"/>
-              </a:ext>
-            </a:extLst>
-          </a:blip>
+          <a:blip r:embed="rId2"/>
           <a:stretch>
             <a:fillRect/>
           </a:stretch>
         </p:blipFill>
         <p:spPr>
           <a:xfrm>
-            <a:off x="2618531" y="1838189"/>
-            <a:ext cx="6966675" cy="4644449"/>
+            <a:off x="6366233" y="2020471"/>
+            <a:ext cx="5268317" cy="3586213"/>
           </a:xfrm>
           <a:prstGeom prst="rect">
             <a:avLst/>
@@ -14212,6 +14206,47 @@
           </p:txBody>
         </p:sp>
       </p:grpSp>
+      <p:pic>
+        <p:nvPicPr>
+          <p:cNvPr id="3" name="그림 2">
+            <a:extLst>
+              <a:ext uri="{FF2B5EF4-FFF2-40B4-BE49-F238E27FC236}">
+                <a16:creationId xmlns:a16="http://schemas.microsoft.com/office/drawing/2014/main" id="{63D38A11-94C9-40C9-9BA1-9D12F6673484}"/>
+              </a:ext>
+            </a:extLst>
+          </p:cNvPr>
+          <p:cNvPicPr>
+            <a:picLocks noChangeAspect="1"/>
+          </p:cNvPicPr>
+          <p:nvPr/>
+        </p:nvPicPr>
+        <p:blipFill>
+          <a:blip r:embed="rId3">
+            <a:extLst>
+              <a:ext uri="{28A0092B-C50C-407E-A947-70E740481C1C}">
+                <a14:useLocalDpi xmlns:a14="http://schemas.microsoft.com/office/drawing/2010/main" val="0"/>
+              </a:ext>
+            </a:extLst>
+          </a:blip>
+          <a:stretch>
+            <a:fillRect/>
+          </a:stretch>
+        </p:blipFill>
+        <p:spPr>
+          <a:xfrm>
+            <a:off x="557449" y="2020473"/>
+            <a:ext cx="5268317" cy="3586222"/>
+          </a:xfrm>
+          <a:prstGeom prst="rect">
+            <a:avLst/>
+          </a:prstGeom>
+          <a:ln w="12700">
+            <a:solidFill>
+              <a:schemeClr val="tx1"/>
+            </a:solidFill>
+          </a:ln>
+        </p:spPr>
+      </p:pic>
       <p:sp>
         <p:nvSpPr>
           <p:cNvPr id="5" name="TextBox 4">
@@ -14226,8 +14261,8 @@
         </p:nvSpPr>
         <p:spPr>
           <a:xfrm>
-            <a:off x="3541295" y="3087546"/>
-            <a:ext cx="664964" cy="369332"/>
+            <a:off x="1188353" y="2940563"/>
+            <a:ext cx="773942" cy="369332"/>
           </a:xfrm>
           <a:prstGeom prst="rect">
             <a:avLst/>
@@ -14262,8 +14297,8 @@
         </p:nvSpPr>
         <p:spPr>
           <a:xfrm>
-            <a:off x="5910635" y="3890346"/>
-            <a:ext cx="664964" cy="369332"/>
+            <a:off x="2980088" y="3560447"/>
+            <a:ext cx="773942" cy="369332"/>
           </a:xfrm>
           <a:prstGeom prst="rect">
             <a:avLst/>
@@ -14298,8 +14333,8 @@
         </p:nvSpPr>
         <p:spPr>
           <a:xfrm>
-            <a:off x="6521311" y="3754244"/>
-            <a:ext cx="664964" cy="369332"/>
+            <a:off x="3441891" y="3455355"/>
+            <a:ext cx="773942" cy="369332"/>
           </a:xfrm>
           <a:prstGeom prst="rect">
             <a:avLst/>
@@ -14334,8 +14369,8 @@
         </p:nvSpPr>
         <p:spPr>
           <a:xfrm>
-            <a:off x="7131987" y="3761678"/>
-            <a:ext cx="664964" cy="369332"/>
+            <a:off x="3903694" y="3461095"/>
+            <a:ext cx="773942" cy="369332"/>
           </a:xfrm>
           <a:prstGeom prst="rect">
             <a:avLst/>
@@ -14370,8 +14405,8 @@
         </p:nvSpPr>
         <p:spPr>
           <a:xfrm>
-            <a:off x="8221092" y="2658385"/>
-            <a:ext cx="766792" cy="369332"/>
+            <a:off x="4727294" y="2609185"/>
+            <a:ext cx="892458" cy="369332"/>
           </a:xfrm>
           <a:prstGeom prst="rect">
             <a:avLst/>
@@ -14406,8 +14441,8 @@
         </p:nvSpPr>
         <p:spPr>
           <a:xfrm>
-            <a:off x="4106291" y="3819808"/>
-            <a:ext cx="664964" cy="369332"/>
+            <a:off x="1615612" y="3505981"/>
+            <a:ext cx="773942" cy="369332"/>
           </a:xfrm>
           <a:prstGeom prst="rect">
             <a:avLst/>
@@ -14442,8 +14477,8 @@
         </p:nvSpPr>
         <p:spPr>
           <a:xfrm>
-            <a:off x="4704739" y="3983356"/>
-            <a:ext cx="664964" cy="369332"/>
+            <a:off x="2068169" y="3632265"/>
+            <a:ext cx="773942" cy="369332"/>
           </a:xfrm>
           <a:prstGeom prst="rect">
             <a:avLst/>
@@ -14478,8 +14513,8 @@
         </p:nvSpPr>
         <p:spPr>
           <a:xfrm>
-            <a:off x="5310768" y="4211114"/>
-            <a:ext cx="664964" cy="369332"/>
+            <a:off x="2526458" y="3808129"/>
+            <a:ext cx="773942" cy="369332"/>
           </a:xfrm>
           <a:prstGeom prst="rect">
             <a:avLst/>
@@ -14514,8 +14549,8 @@
         </p:nvSpPr>
         <p:spPr>
           <a:xfrm>
-            <a:off x="7781055" y="5460404"/>
-            <a:ext cx="664964" cy="369332"/>
+            <a:off x="4394531" y="4772771"/>
+            <a:ext cx="773942" cy="369332"/>
           </a:xfrm>
           <a:prstGeom prst="rect">
             <a:avLst/>
@@ -14531,6 +14566,150 @@
             <a:r>
               <a:rPr lang="en-US" altLang="ko-KR" dirty="0"/>
               <a:t>0%</a:t>
+            </a:r>
+            <a:endParaRPr lang="ko-KR" altLang="en-US" dirty="0"/>
+          </a:p>
+        </p:txBody>
+      </p:sp>
+      <p:sp>
+        <p:nvSpPr>
+          <p:cNvPr id="27" name="TextBox 26">
+            <a:extLst>
+              <a:ext uri="{FF2B5EF4-FFF2-40B4-BE49-F238E27FC236}">
+                <a16:creationId xmlns:a16="http://schemas.microsoft.com/office/drawing/2014/main" id="{CE669072-41EB-4861-A273-8D78B1316CD2}"/>
+              </a:ext>
+            </a:extLst>
+          </p:cNvPr>
+          <p:cNvSpPr txBox="1"/>
+          <p:nvPr/>
+        </p:nvSpPr>
+        <p:spPr>
+          <a:xfrm>
+            <a:off x="7337395" y="3497766"/>
+            <a:ext cx="892458" cy="369332"/>
+          </a:xfrm>
+          <a:prstGeom prst="rect">
+            <a:avLst/>
+          </a:prstGeom>
+          <a:noFill/>
+        </p:spPr>
+        <p:txBody>
+          <a:bodyPr wrap="square" rtlCol="0">
+            <a:spAutoFit/>
+          </a:bodyPr>
+          <a:lstStyle/>
+          <a:p>
+            <a:r>
+              <a:rPr lang="en-US" altLang="ko-KR" dirty="0"/>
+              <a:t>16%</a:t>
+            </a:r>
+            <a:endParaRPr lang="ko-KR" altLang="en-US" dirty="0"/>
+          </a:p>
+        </p:txBody>
+      </p:sp>
+      <p:sp>
+        <p:nvSpPr>
+          <p:cNvPr id="28" name="TextBox 27">
+            <a:extLst>
+              <a:ext uri="{FF2B5EF4-FFF2-40B4-BE49-F238E27FC236}">
+                <a16:creationId xmlns:a16="http://schemas.microsoft.com/office/drawing/2014/main" id="{A3FEC038-ED09-4D9F-B7B4-E597D4626D07}"/>
+              </a:ext>
+            </a:extLst>
+          </p:cNvPr>
+          <p:cNvSpPr txBox="1"/>
+          <p:nvPr/>
+        </p:nvSpPr>
+        <p:spPr>
+          <a:xfrm>
+            <a:off x="8243260" y="4017298"/>
+            <a:ext cx="892458" cy="369332"/>
+          </a:xfrm>
+          <a:prstGeom prst="rect">
+            <a:avLst/>
+          </a:prstGeom>
+          <a:noFill/>
+        </p:spPr>
+        <p:txBody>
+          <a:bodyPr wrap="square" rtlCol="0">
+            <a:spAutoFit/>
+          </a:bodyPr>
+          <a:lstStyle/>
+          <a:p>
+            <a:r>
+              <a:rPr lang="en-US" altLang="ko-KR" dirty="0"/>
+              <a:t>27%</a:t>
+            </a:r>
+            <a:endParaRPr lang="ko-KR" altLang="en-US" dirty="0"/>
+          </a:p>
+        </p:txBody>
+      </p:sp>
+      <p:sp>
+        <p:nvSpPr>
+          <p:cNvPr id="29" name="TextBox 28">
+            <a:extLst>
+              <a:ext uri="{FF2B5EF4-FFF2-40B4-BE49-F238E27FC236}">
+                <a16:creationId xmlns:a16="http://schemas.microsoft.com/office/drawing/2014/main" id="{4502A278-ED5F-43D9-B728-AE06F0C8B2F7}"/>
+              </a:ext>
+            </a:extLst>
+          </p:cNvPr>
+          <p:cNvSpPr txBox="1"/>
+          <p:nvPr/>
+        </p:nvSpPr>
+        <p:spPr>
+          <a:xfrm>
+            <a:off x="9607065" y="3036849"/>
+            <a:ext cx="892458" cy="369332"/>
+          </a:xfrm>
+          <a:prstGeom prst="rect">
+            <a:avLst/>
+          </a:prstGeom>
+          <a:noFill/>
+        </p:spPr>
+        <p:txBody>
+          <a:bodyPr wrap="square" rtlCol="0">
+            <a:spAutoFit/>
+          </a:bodyPr>
+          <a:lstStyle/>
+          <a:p>
+            <a:r>
+              <a:rPr lang="en-US" altLang="ko-KR" dirty="0"/>
+              <a:t>71%</a:t>
+            </a:r>
+            <a:endParaRPr lang="ko-KR" altLang="en-US" dirty="0"/>
+          </a:p>
+        </p:txBody>
+      </p:sp>
+      <p:sp>
+        <p:nvSpPr>
+          <p:cNvPr id="30" name="TextBox 29">
+            <a:extLst>
+              <a:ext uri="{FF2B5EF4-FFF2-40B4-BE49-F238E27FC236}">
+                <a16:creationId xmlns:a16="http://schemas.microsoft.com/office/drawing/2014/main" id="{26553D7E-AC47-40A8-AB68-EB254AA3E737}"/>
+              </a:ext>
+            </a:extLst>
+          </p:cNvPr>
+          <p:cNvSpPr txBox="1"/>
+          <p:nvPr/>
+        </p:nvSpPr>
+        <p:spPr>
+          <a:xfrm>
+            <a:off x="10510673" y="2811919"/>
+            <a:ext cx="892458" cy="369332"/>
+          </a:xfrm>
+          <a:prstGeom prst="rect">
+            <a:avLst/>
+          </a:prstGeom>
+          <a:noFill/>
+        </p:spPr>
+        <p:txBody>
+          <a:bodyPr wrap="square" rtlCol="0">
+            <a:spAutoFit/>
+          </a:bodyPr>
+          <a:lstStyle/>
+          <a:p>
+            <a:r>
+              <a:rPr lang="en-US" altLang="ko-KR" dirty="0"/>
+              <a:t>79%</a:t>
             </a:r>
             <a:endParaRPr lang="ko-KR" altLang="en-US" dirty="0"/>
           </a:p>
